--- a/11ano/iebd/21-JunoOliveira-normalizacao.pptx
+++ b/11ano/iebd/21-JunoOliveira-normalizacao.pptx
@@ -24,12 +24,12 @@
   <p:notesSz cx="6858000" cy="9144000"/>
   <p:embeddedFontLst>
     <p:embeddedFont>
-      <p:font typeface="Dosis" pitchFamily="2" charset="0"/>
+      <p:font typeface="Dosis" panose="020B0604020202020204" pitchFamily="2" charset="0"/>
       <p:regular r:id="rId14"/>
       <p:bold r:id="rId15"/>
     </p:embeddedFont>
     <p:embeddedFont>
-      <p:font typeface="Montserrat" panose="00000500000000000000" pitchFamily="2" charset="0"/>
+      <p:font typeface="Montserrat" panose="020B0604020202020204" pitchFamily="2" charset="0"/>
       <p:regular r:id="rId16"/>
       <p:bold r:id="rId17"/>
       <p:italic r:id="rId18"/>
@@ -34910,14 +34910,14 @@
           <p:nvPr>
             <p:extLst>
               <p:ext uri="{D42A27DB-BD31-4B8C-83A1-F6EECF244321}">
-                <p14:modId xmlns:p14="http://schemas.microsoft.com/office/powerpoint/2010/main" val="638374547"/>
+                <p14:modId xmlns:p14="http://schemas.microsoft.com/office/powerpoint/2010/main" val="1176136131"/>
               </p:ext>
             </p:extLst>
           </p:nvPr>
         </p:nvGraphicFramePr>
         <p:xfrm>
-          <a:off x="3727936" y="2901462"/>
-          <a:ext cx="4279501" cy="1463040"/>
+          <a:off x="3619214" y="2901462"/>
+          <a:ext cx="4050900" cy="1496721"/>
         </p:xfrm>
         <a:graphic>
           <a:graphicData uri="http://schemas.openxmlformats.org/drawingml/2006/table">
@@ -34926,35 +34926,35 @@
                 <a:tableStyleId>{793D81CF-94F2-401A-BA57-92F5A7B2D0C5}</a:tableStyleId>
               </a:tblPr>
               <a:tblGrid>
-                <a:gridCol w="737223">
+                <a:gridCol w="697843">
                   <a:extLst>
                     <a:ext uri="{9D8B030D-6E8A-4147-A177-3AD203B41FA5}">
                       <a16:colId xmlns:a16="http://schemas.microsoft.com/office/drawing/2014/main" val="20000"/>
                     </a:ext>
                   </a:extLst>
                 </a:gridCol>
-                <a:gridCol w="935018">
+                <a:gridCol w="885071">
                   <a:extLst>
                     <a:ext uri="{9D8B030D-6E8A-4147-A177-3AD203B41FA5}">
                       <a16:colId xmlns:a16="http://schemas.microsoft.com/office/drawing/2014/main" val="20001"/>
                     </a:ext>
                   </a:extLst>
                 </a:gridCol>
-                <a:gridCol w="557414">
+                <a:gridCol w="527638">
                   <a:extLst>
                     <a:ext uri="{9D8B030D-6E8A-4147-A177-3AD203B41FA5}">
                       <a16:colId xmlns:a16="http://schemas.microsoft.com/office/drawing/2014/main" val="20002"/>
                     </a:ext>
                   </a:extLst>
                 </a:gridCol>
-                <a:gridCol w="1231706">
+                <a:gridCol w="1165912">
                   <a:extLst>
                     <a:ext uri="{9D8B030D-6E8A-4147-A177-3AD203B41FA5}">
                       <a16:colId xmlns:a16="http://schemas.microsoft.com/office/drawing/2014/main" val="20003"/>
                     </a:ext>
                   </a:extLst>
                 </a:gridCol>
-                <a:gridCol w="818140">
+                <a:gridCol w="774436">
                   <a:extLst>
                     <a:ext uri="{9D8B030D-6E8A-4147-A177-3AD203B41FA5}">
                       <a16:colId xmlns:a16="http://schemas.microsoft.com/office/drawing/2014/main" val="20004"/>
@@ -34962,7 +34962,7 @@
                   </a:extLst>
                 </a:gridCol>
               </a:tblGrid>
-              <a:tr h="239853">
+              <a:tr h="277521">
                 <a:tc>
                   <a:txBody>
                     <a:bodyPr/>
@@ -35043,7 +35043,7 @@
                   </a:ext>
                 </a:extLst>
               </a:tr>
-              <a:tr h="239853">
+              <a:tr h="208906">
                 <a:tc>
                   <a:txBody>
                     <a:bodyPr/>
@@ -35115,7 +35115,7 @@
                   </a:ext>
                 </a:extLst>
               </a:tr>
-              <a:tr h="239853">
+              <a:tr h="208906">
                 <a:tc>
                   <a:txBody>
                     <a:bodyPr/>
@@ -35187,7 +35187,7 @@
                   </a:ext>
                 </a:extLst>
               </a:tr>
-              <a:tr h="239853">
+              <a:tr h="208906">
                 <a:tc>
                   <a:txBody>
                     <a:bodyPr/>
@@ -35259,7 +35259,7 @@
                   </a:ext>
                 </a:extLst>
               </a:tr>
-              <a:tr h="239853">
+              <a:tr h="208906">
                 <a:tc>
                   <a:txBody>
                     <a:bodyPr/>
@@ -35331,7 +35331,7 @@
                   </a:ext>
                 </a:extLst>
               </a:tr>
-              <a:tr h="239853">
+              <a:tr h="208906">
                 <a:tc>
                   <a:txBody>
                     <a:bodyPr/>
